--- a/AICTE_Dev_Jindal_CSE.pptx
+++ b/AICTE_Dev_Jindal_CSE.pptx
@@ -5,7 +5,7 @@
     <p:sldMasterId id="2147483712" r:id="rId4"/>
   </p:sldMasterIdLst>
   <p:notesMasterIdLst>
-    <p:notesMasterId r:id="rId16"/>
+    <p:notesMasterId r:id="rId17"/>
   </p:notesMasterIdLst>
   <p:sldIdLst>
     <p:sldId id="256" r:id="rId5"/>
@@ -16,9 +16,10 @@
     <p:sldId id="2146847057" r:id="rId10"/>
     <p:sldId id="2146847060" r:id="rId11"/>
     <p:sldId id="2146847063" r:id="rId12"/>
-    <p:sldId id="2146847062" r:id="rId13"/>
-    <p:sldId id="2146847061" r:id="rId14"/>
-    <p:sldId id="259" r:id="rId15"/>
+    <p:sldId id="2146847064" r:id="rId13"/>
+    <p:sldId id="2146847062" r:id="rId14"/>
+    <p:sldId id="2146847061" r:id="rId15"/>
+    <p:sldId id="259" r:id="rId16"/>
   </p:sldIdLst>
   <p:sldSz cx="12192000" cy="6858000"/>
   <p:notesSz cx="6858000" cy="9144000"/>
@@ -4223,10 +4224,22 @@
           </a:xfrm>
         </p:spPr>
         <p:txBody>
-          <a:bodyPr/>
+          <a:bodyPr>
+            <a:normAutofit fontScale="90000"/>
+          </a:bodyPr>
           <a:lstStyle/>
           <a:p>
             <a:pPr algn="ctr"/>
+            <a:r>
+              <a:rPr lang="en-US" b="1" dirty="0">
+                <a:solidFill>
+                  <a:schemeClr val="accent1"/>
+                </a:solidFill>
+                <a:latin typeface="Arial" panose="020B0604020202020204" pitchFamily="34" charset="0"/>
+                <a:cs typeface="Arial" panose="020B0604020202020204" pitchFamily="34" charset="0"/>
+              </a:rPr>
+              <a:t>SECURE DATA HIDING IN IMAGE USING </a:t>
+            </a:r>
             <a:r>
               <a:rPr lang="en-US" b="1" dirty="0" err="1">
                 <a:solidFill>
@@ -4235,7 +4248,7 @@
                 <a:latin typeface="Arial" panose="020B0604020202020204" pitchFamily="34" charset="0"/>
                 <a:cs typeface="Arial" panose="020B0604020202020204" pitchFamily="34" charset="0"/>
               </a:rPr>
-              <a:t>sTENOGRAPHY</a:t>
+              <a:t>sTEGANOGRAPHY</a:t>
             </a:r>
             <a:endParaRPr lang="en-US" b="1" dirty="0">
               <a:solidFill>
@@ -4280,7 +4293,7 @@
                 <a:latin typeface="Arial"/>
                 <a:cs typeface="Arial"/>
               </a:rPr>
-              <a:t>CYBER SECURITY PROJECT</a:t>
+              <a:t>CAPSTONE PROJECT</a:t>
             </a:r>
           </a:p>
         </p:txBody>
@@ -4293,7 +4306,7 @@
         </p:nvSpPr>
         <p:spPr>
           <a:xfrm>
-            <a:off x="3117529" y="4586365"/>
+            <a:off x="2105908" y="4233940"/>
             <a:ext cx="7980183" cy="1015663"/>
           </a:xfrm>
           <a:prstGeom prst="rect">
@@ -4409,6 +4422,116 @@
           <p:cNvPr id="2" name="Title 1">
             <a:extLst>
               <a:ext uri="{FF2B5EF4-FFF2-40B4-BE49-F238E27FC236}">
+                <a16:creationId xmlns:a16="http://schemas.microsoft.com/office/drawing/2014/main" id="{FA4C6B3D-1072-C2D2-EBFE-E33CABE394D1}"/>
+              </a:ext>
+            </a:extLst>
+          </p:cNvPr>
+          <p:cNvSpPr>
+            <a:spLocks noGrp="1"/>
+          </p:cNvSpPr>
+          <p:nvPr>
+            <p:ph type="title"/>
+          </p:nvPr>
+        </p:nvSpPr>
+        <p:spPr/>
+        <p:txBody>
+          <a:bodyPr/>
+          <a:lstStyle/>
+          <a:p>
+            <a:r>
+              <a:rPr lang="en-IN" dirty="0">
+                <a:solidFill>
+                  <a:schemeClr val="accent1"/>
+                </a:solidFill>
+              </a:rPr>
+              <a:t>Conclusion</a:t>
+            </a:r>
+          </a:p>
+        </p:txBody>
+      </p:sp>
+      <p:sp>
+        <p:nvSpPr>
+          <p:cNvPr id="3" name="Content Placeholder 2">
+            <a:extLst>
+              <a:ext uri="{FF2B5EF4-FFF2-40B4-BE49-F238E27FC236}">
+                <a16:creationId xmlns:a16="http://schemas.microsoft.com/office/drawing/2014/main" id="{D4974547-DF1B-77BB-E545-9344EDB9AD3F}"/>
+              </a:ext>
+            </a:extLst>
+          </p:cNvPr>
+          <p:cNvSpPr>
+            <a:spLocks noGrp="1"/>
+          </p:cNvSpPr>
+          <p:nvPr>
+            <p:ph idx="1"/>
+          </p:nvPr>
+        </p:nvSpPr>
+        <p:spPr/>
+        <p:txBody>
+          <a:bodyPr>
+            <a:normAutofit/>
+          </a:bodyPr>
+          <a:lstStyle/>
+          <a:p>
+            <a:r>
+              <a:rPr lang="en-US" sz="2400" dirty="0"/>
+              <a:t>Cyberpunk Steganography offers a secure and innovative way to hide messages.</a:t>
+            </a:r>
+          </a:p>
+          <a:p>
+            <a:r>
+              <a:rPr lang="en-US" sz="2400" dirty="0"/>
+              <a:t>Combines strong encryption with an easy-to-use interface.</a:t>
+            </a:r>
+          </a:p>
+          <a:p>
+            <a:r>
+              <a:rPr lang="en-US" sz="2400" dirty="0"/>
+              <a:t>Ideal for individuals who value privacy and security.</a:t>
+            </a:r>
+          </a:p>
+          <a:p>
+            <a:r>
+              <a:rPr lang="en-US" sz="2400" dirty="0"/>
+              <a:t>Future scope includes stronger encryption and support for different image formats.</a:t>
+            </a:r>
+          </a:p>
+        </p:txBody>
+      </p:sp>
+    </p:spTree>
+    <p:extLst>
+      <p:ext uri="{BB962C8B-B14F-4D97-AF65-F5344CB8AC3E}">
+        <p14:creationId xmlns:p14="http://schemas.microsoft.com/office/powerpoint/2010/main" val="4233882376"/>
+      </p:ext>
+    </p:extLst>
+  </p:cSld>
+  <p:clrMapOvr>
+    <a:masterClrMapping/>
+  </p:clrMapOvr>
+</p:sld>
+</file>
+
+<file path=ppt/slides/slide11.xml><?xml version="1.0" encoding="utf-8"?>
+<p:sld xmlns:a="http://schemas.openxmlformats.org/drawingml/2006/main" xmlns:r="http://schemas.openxmlformats.org/officeDocument/2006/relationships" xmlns:p="http://schemas.openxmlformats.org/presentationml/2006/main">
+  <p:cSld>
+    <p:spTree>
+      <p:nvGrpSpPr>
+        <p:cNvPr id="1" name=""/>
+        <p:cNvGrpSpPr/>
+        <p:nvPr/>
+      </p:nvGrpSpPr>
+      <p:grpSpPr>
+        <a:xfrm>
+          <a:off x="0" y="0"/>
+          <a:ext cx="0" cy="0"/>
+          <a:chOff x="0" y="0"/>
+          <a:chExt cx="0" cy="0"/>
+        </a:xfrm>
+      </p:grpSpPr>
+      <p:sp>
+        <p:nvSpPr>
+          <p:cNvPr id="2" name="Title 1">
+            <a:extLst>
+              <a:ext uri="{FF2B5EF4-FFF2-40B4-BE49-F238E27FC236}">
                 <a16:creationId xmlns:a16="http://schemas.microsoft.com/office/drawing/2014/main" id="{48E9F08C-D61F-627D-C4E5-397E3E84FC45}"/>
               </a:ext>
             </a:extLst>
@@ -4475,7 +4598,7 @@
                   </a:extLst>
                 </a:hlinkClick>
               </a:rPr>
-              <a:t>https://github.com/devjindal135/Stenograph</a:t>
+              <a:t>https://github.com/devjindal135/Steganograph</a:t>
             </a:r>
             <a:endParaRPr lang="en-IN" sz="2400" dirty="0">
               <a:solidFill>
@@ -4498,7 +4621,7 @@
 </p:sld>
 </file>
 
-<file path=ppt/slides/slide11.xml><?xml version="1.0" encoding="utf-8"?>
+<file path=ppt/slides/slide12.xml><?xml version="1.0" encoding="utf-8"?>
 <p:sld xmlns:a="http://schemas.openxmlformats.org/drawingml/2006/main" xmlns:r="http://schemas.openxmlformats.org/officeDocument/2006/relationships" xmlns:p="http://schemas.openxmlformats.org/presentationml/2006/main">
   <p:cSld>
     <p:spTree>
@@ -4752,17 +4875,6 @@
                 <a:cs typeface="+mn-lt"/>
               </a:rPr>
               <a:t>Git-hub Link</a:t>
-            </a:r>
-          </a:p>
-          <a:p>
-            <a:pPr marL="305435" indent="-305435"/>
-            <a:r>
-              <a:rPr lang="en-US" sz="2000" b="1" dirty="0">
-                <a:latin typeface="Arial"/>
-                <a:ea typeface="+mn-lt"/>
-                <a:cs typeface="+mn-lt"/>
-              </a:rPr>
-              <a:t>Future scope</a:t>
             </a:r>
           </a:p>
           <a:p>
@@ -5520,7 +5632,7 @@
           <p:cNvPr id="2" name="Title 1">
             <a:extLst>
               <a:ext uri="{FF2B5EF4-FFF2-40B4-BE49-F238E27FC236}">
-                <a16:creationId xmlns:a16="http://schemas.microsoft.com/office/drawing/2014/main" id="{FA4C6B3D-1072-C2D2-EBFE-E33CABE394D1}"/>
+                <a16:creationId xmlns:a16="http://schemas.microsoft.com/office/drawing/2014/main" id="{A4F8070C-FF0D-BBE3-3D8A-C3794CCCE8A2}"/>
               </a:ext>
             </a:extLst>
           </p:cNvPr>
@@ -5542,63 +5654,75 @@
                   <a:schemeClr val="accent1"/>
                 </a:solidFill>
               </a:rPr>
-              <a:t>Conclusion</a:t>
-            </a:r>
-          </a:p>
-        </p:txBody>
-      </p:sp>
-      <p:sp>
-        <p:nvSpPr>
-          <p:cNvPr id="3" name="Content Placeholder 2">
+              <a:t>Results</a:t>
+            </a:r>
+          </a:p>
+        </p:txBody>
+      </p:sp>
+      <p:pic>
+        <p:nvPicPr>
+          <p:cNvPr id="4" name="Picture 3">
             <a:extLst>
               <a:ext uri="{FF2B5EF4-FFF2-40B4-BE49-F238E27FC236}">
-                <a16:creationId xmlns:a16="http://schemas.microsoft.com/office/drawing/2014/main" id="{D4974547-DF1B-77BB-E545-9344EDB9AD3F}"/>
+                <a16:creationId xmlns:a16="http://schemas.microsoft.com/office/drawing/2014/main" id="{D97A3420-ABAA-48C6-8D1F-0BA5103795D1}"/>
               </a:ext>
             </a:extLst>
           </p:cNvPr>
-          <p:cNvSpPr>
-            <a:spLocks noGrp="1"/>
-          </p:cNvSpPr>
-          <p:nvPr>
-            <p:ph idx="1"/>
-          </p:nvPr>
-        </p:nvSpPr>
-        <p:spPr/>
-        <p:txBody>
-          <a:bodyPr>
-            <a:normAutofit/>
-          </a:bodyPr>
-          <a:lstStyle/>
-          <a:p>
-            <a:r>
-              <a:rPr lang="en-US" sz="2400" dirty="0"/>
-              <a:t>Cyberpunk Steganography offers a secure and innovative way to hide messages.</a:t>
-            </a:r>
-          </a:p>
-          <a:p>
-            <a:r>
-              <a:rPr lang="en-US" sz="2400" dirty="0"/>
-              <a:t>Combines strong encryption with an easy-to-use interface.</a:t>
-            </a:r>
-          </a:p>
-          <a:p>
-            <a:r>
-              <a:rPr lang="en-US" sz="2400" dirty="0"/>
-              <a:t>Ideal for individuals who value privacy and security.</a:t>
-            </a:r>
-          </a:p>
-          <a:p>
-            <a:r>
-              <a:rPr lang="en-US" sz="2400" dirty="0"/>
-              <a:t>Future scope includes stronger encryption and support for different image formats.</a:t>
-            </a:r>
-          </a:p>
-        </p:txBody>
-      </p:sp>
+          <p:cNvPicPr>
+            <a:picLocks noChangeAspect="1"/>
+          </p:cNvPicPr>
+          <p:nvPr/>
+        </p:nvPicPr>
+        <p:blipFill>
+          <a:blip r:embed="rId2"/>
+          <a:stretch>
+            <a:fillRect/>
+          </a:stretch>
+        </p:blipFill>
+        <p:spPr>
+          <a:xfrm>
+            <a:off x="752784" y="1726118"/>
+            <a:ext cx="4684337" cy="4046032"/>
+          </a:xfrm>
+          <a:prstGeom prst="rect">
+            <a:avLst/>
+          </a:prstGeom>
+        </p:spPr>
+      </p:pic>
+      <p:pic>
+        <p:nvPicPr>
+          <p:cNvPr id="7" name="Picture 6">
+            <a:extLst>
+              <a:ext uri="{FF2B5EF4-FFF2-40B4-BE49-F238E27FC236}">
+                <a16:creationId xmlns:a16="http://schemas.microsoft.com/office/drawing/2014/main" id="{93E5FE74-D3A2-482B-A1E7-35D4B2B7F5F4}"/>
+              </a:ext>
+            </a:extLst>
+          </p:cNvPr>
+          <p:cNvPicPr>
+            <a:picLocks noChangeAspect="1"/>
+          </p:cNvPicPr>
+          <p:nvPr/>
+        </p:nvPicPr>
+        <p:blipFill>
+          <a:blip r:embed="rId3"/>
+          <a:stretch>
+            <a:fillRect/>
+          </a:stretch>
+        </p:blipFill>
+        <p:spPr>
+          <a:xfrm>
+            <a:off x="6754881" y="1757423"/>
+            <a:ext cx="4504344" cy="4083813"/>
+          </a:xfrm>
+          <a:prstGeom prst="rect">
+            <a:avLst/>
+          </a:prstGeom>
+        </p:spPr>
+      </p:pic>
     </p:spTree>
     <p:extLst>
       <p:ext uri="{BB962C8B-B14F-4D97-AF65-F5344CB8AC3E}">
-        <p14:creationId xmlns:p14="http://schemas.microsoft.com/office/powerpoint/2010/main" val="4233882376"/>
+        <p14:creationId xmlns:p14="http://schemas.microsoft.com/office/powerpoint/2010/main" val="2610907787"/>
       </p:ext>
     </p:extLst>
   </p:cSld>
@@ -6173,15 +6297,6 @@
 </file>
 
 <file path=customXml/item1.xml><?xml version="1.0" encoding="utf-8"?>
-<?mso-contentType ?>
-<FormTemplates xmlns="http://schemas.microsoft.com/sharepoint/v3/contenttype/forms">
-  <Display>DocumentLibraryForm</Display>
-  <Edit>DocumentLibraryForm</Edit>
-  <New>DocumentLibraryForm</New>
-</FormTemplates>
-</file>
-
-<file path=customXml/item2.xml><?xml version="1.0" encoding="utf-8"?>
 <ct:contentTypeSchema xmlns:ct="http://schemas.microsoft.com/office/2006/metadata/contentType" xmlns:ma="http://schemas.microsoft.com/office/2006/metadata/properties/metaAttributes" ct:_="" ma:_="" ma:contentTypeName="Document" ma:contentTypeID="0x0101007F0268AC5E70984D8FE60B7154176407" ma:contentTypeVersion="15" ma:contentTypeDescription="Create a new document." ma:contentTypeScope="" ma:versionID="104e359103f0f57b1cf9676756e5b944">
   <xsd:schema xmlns:xsd="http://www.w3.org/2001/XMLSchema" xmlns:xs="http://www.w3.org/2001/XMLSchema" xmlns:p="http://schemas.microsoft.com/office/2006/metadata/properties" xmlns:ns3="b30265f8-c5e2-4918-b4a1-b977299ca3e2" xmlns:ns4="fadb41d3-f9cb-40fb-903c-8cacaba95bb5" targetNamespace="http://schemas.microsoft.com/office/2006/metadata/properties" ma:root="true" ma:fieldsID="5615b8f8aa772998bad551f24a33de0e" ns3:_="" ns4:_="">
     <xsd:import namespace="b30265f8-c5e2-4918-b4a1-b977299ca3e2"/>
@@ -6414,6 +6529,15 @@
 </ct:contentTypeSchema>
 </file>
 
+<file path=customXml/item2.xml><?xml version="1.0" encoding="utf-8"?>
+<?mso-contentType ?>
+<FormTemplates xmlns="http://schemas.microsoft.com/sharepoint/v3/contenttype/forms">
+  <Display>DocumentLibraryForm</Display>
+  <Edit>DocumentLibraryForm</Edit>
+  <New>DocumentLibraryForm</New>
+</FormTemplates>
+</file>
+
 <file path=customXml/item3.xml><?xml version="1.0" encoding="utf-8"?>
 <p:properties xmlns:p="http://schemas.microsoft.com/office/2006/metadata/properties" xmlns:xsi="http://www.w3.org/2001/XMLSchema-instance" xmlns:pc="http://schemas.microsoft.com/office/infopath/2007/PartnerControls">
   <documentManagement>
@@ -6423,14 +6547,6 @@
 </file>
 
 <file path=customXml/itemProps1.xml><?xml version="1.0" encoding="utf-8"?>
-<ds:datastoreItem xmlns:ds="http://schemas.openxmlformats.org/officeDocument/2006/customXml" ds:itemID="{927BD4C1-B6B1-4715-ABF9-E660A51A4EA0}">
-  <ds:schemaRefs>
-    <ds:schemaRef ds:uri="http://schemas.microsoft.com/sharepoint/v3/contenttype/forms"/>
-  </ds:schemaRefs>
-</ds:datastoreItem>
-</file>
-
-<file path=customXml/itemProps2.xml><?xml version="1.0" encoding="utf-8"?>
 <ds:datastoreItem xmlns:ds="http://schemas.openxmlformats.org/officeDocument/2006/customXml" ds:itemID="{9DD71778-17EE-4151-88AE-C8F4E8043BD9}">
   <ds:schemaRefs>
     <ds:schemaRef ds:uri="http://schemas.microsoft.com/office/2006/metadata/contentType"/>
@@ -6445,6 +6561,14 @@
     <ds:schemaRef ds:uri="http://purl.org/dc/elements/1.1/"/>
     <ds:schemaRef ds:uri="http://purl.org/dc/terms/"/>
     <ds:schemaRef ds:uri="http://schemas.microsoft.com/internal/obd"/>
+  </ds:schemaRefs>
+</ds:datastoreItem>
+</file>
+
+<file path=customXml/itemProps2.xml><?xml version="1.0" encoding="utf-8"?>
+<ds:datastoreItem xmlns:ds="http://schemas.openxmlformats.org/officeDocument/2006/customXml" ds:itemID="{927BD4C1-B6B1-4715-ABF9-E660A51A4EA0}">
+  <ds:schemaRefs>
+    <ds:schemaRef ds:uri="http://schemas.microsoft.com/sharepoint/v3/contenttype/forms"/>
   </ds:schemaRefs>
 </ds:datastoreItem>
 </file>

--- a/AICTE_Dev_Jindal_CSE.pptx
+++ b/AICTE_Dev_Jindal_CSE.pptx
@@ -6297,6 +6297,15 @@
 </file>
 
 <file path=customXml/item1.xml><?xml version="1.0" encoding="utf-8"?>
+<?mso-contentType ?>
+<FormTemplates xmlns="http://schemas.microsoft.com/sharepoint/v3/contenttype/forms">
+  <Display>DocumentLibraryForm</Display>
+  <Edit>DocumentLibraryForm</Edit>
+  <New>DocumentLibraryForm</New>
+</FormTemplates>
+</file>
+
+<file path=customXml/item2.xml><?xml version="1.0" encoding="utf-8"?>
 <ct:contentTypeSchema xmlns:ct="http://schemas.microsoft.com/office/2006/metadata/contentType" xmlns:ma="http://schemas.microsoft.com/office/2006/metadata/properties/metaAttributes" ct:_="" ma:_="" ma:contentTypeName="Document" ma:contentTypeID="0x0101007F0268AC5E70984D8FE60B7154176407" ma:contentTypeVersion="15" ma:contentTypeDescription="Create a new document." ma:contentTypeScope="" ma:versionID="104e359103f0f57b1cf9676756e5b944">
   <xsd:schema xmlns:xsd="http://www.w3.org/2001/XMLSchema" xmlns:xs="http://www.w3.org/2001/XMLSchema" xmlns:p="http://schemas.microsoft.com/office/2006/metadata/properties" xmlns:ns3="b30265f8-c5e2-4918-b4a1-b977299ca3e2" xmlns:ns4="fadb41d3-f9cb-40fb-903c-8cacaba95bb5" targetNamespace="http://schemas.microsoft.com/office/2006/metadata/properties" ma:root="true" ma:fieldsID="5615b8f8aa772998bad551f24a33de0e" ns3:_="" ns4:_="">
     <xsd:import namespace="b30265f8-c5e2-4918-b4a1-b977299ca3e2"/>
@@ -6529,15 +6538,6 @@
 </ct:contentTypeSchema>
 </file>
 
-<file path=customXml/item2.xml><?xml version="1.0" encoding="utf-8"?>
-<?mso-contentType ?>
-<FormTemplates xmlns="http://schemas.microsoft.com/sharepoint/v3/contenttype/forms">
-  <Display>DocumentLibraryForm</Display>
-  <Edit>DocumentLibraryForm</Edit>
-  <New>DocumentLibraryForm</New>
-</FormTemplates>
-</file>
-
 <file path=customXml/item3.xml><?xml version="1.0" encoding="utf-8"?>
 <p:properties xmlns:p="http://schemas.microsoft.com/office/2006/metadata/properties" xmlns:xsi="http://www.w3.org/2001/XMLSchema-instance" xmlns:pc="http://schemas.microsoft.com/office/infopath/2007/PartnerControls">
   <documentManagement>
@@ -6547,6 +6547,14 @@
 </file>
 
 <file path=customXml/itemProps1.xml><?xml version="1.0" encoding="utf-8"?>
+<ds:datastoreItem xmlns:ds="http://schemas.openxmlformats.org/officeDocument/2006/customXml" ds:itemID="{927BD4C1-B6B1-4715-ABF9-E660A51A4EA0}">
+  <ds:schemaRefs>
+    <ds:schemaRef ds:uri="http://schemas.microsoft.com/sharepoint/v3/contenttype/forms"/>
+  </ds:schemaRefs>
+</ds:datastoreItem>
+</file>
+
+<file path=customXml/itemProps2.xml><?xml version="1.0" encoding="utf-8"?>
 <ds:datastoreItem xmlns:ds="http://schemas.openxmlformats.org/officeDocument/2006/customXml" ds:itemID="{9DD71778-17EE-4151-88AE-C8F4E8043BD9}">
   <ds:schemaRefs>
     <ds:schemaRef ds:uri="http://schemas.microsoft.com/office/2006/metadata/contentType"/>
@@ -6561,14 +6569,6 @@
     <ds:schemaRef ds:uri="http://purl.org/dc/elements/1.1/"/>
     <ds:schemaRef ds:uri="http://purl.org/dc/terms/"/>
     <ds:schemaRef ds:uri="http://schemas.microsoft.com/internal/obd"/>
-  </ds:schemaRefs>
-</ds:datastoreItem>
-</file>
-
-<file path=customXml/itemProps2.xml><?xml version="1.0" encoding="utf-8"?>
-<ds:datastoreItem xmlns:ds="http://schemas.openxmlformats.org/officeDocument/2006/customXml" ds:itemID="{927BD4C1-B6B1-4715-ABF9-E660A51A4EA0}">
-  <ds:schemaRefs>
-    <ds:schemaRef ds:uri="http://schemas.microsoft.com/sharepoint/v3/contenttype/forms"/>
   </ds:schemaRefs>
 </ds:datastoreItem>
 </file>
